--- a/cover.pptx
+++ b/cover.pptx
@@ -171,7 +171,7 @@
           </a:lstStyle>
           <a:p>
             <a:r>
-              <a:rPr lang="zh-CN" altLang="en-US" smtClean="0"/>
+              <a:rPr lang="zh-CN" altLang="en-US"/>
               <a:t>单击此处编辑母版标题样式</a:t>
             </a:r>
             <a:endParaRPr lang="en-US" dirty="0"/>
@@ -301,7 +301,7 @@
           </a:lstStyle>
           <a:p>
             <a:r>
-              <a:rPr lang="zh-CN" altLang="en-US" smtClean="0"/>
+              <a:rPr lang="zh-CN" altLang="en-US"/>
               <a:t>单击以编辑母版副标题样式</a:t>
             </a:r>
             <a:endParaRPr lang="en-US" dirty="0"/>
@@ -326,7 +326,7 @@
             <a:fld id="{B61BEF0D-F0BB-DE4B-95CE-6DB70DBA9567}" type="datetimeFigureOut">
               <a:rPr lang="en-US" smtClean="0"/>
               <a:pPr/>
-              <a:t>4/6/2016</a:t>
+              <a:t>5/30/2019</a:t>
             </a:fld>
             <a:endParaRPr lang="en-US" dirty="0"/>
           </a:p>
@@ -432,7 +432,7 @@
           </a:lstStyle>
           <a:p>
             <a:r>
-              <a:rPr lang="zh-CN" altLang="en-US" smtClean="0"/>
+              <a:rPr lang="zh-CN" altLang="en-US"/>
               <a:t>单击此处编辑母版标题样式</a:t>
             </a:r>
             <a:endParaRPr lang="en-US" dirty="0"/>
@@ -527,7 +527,7 @@
           </a:lstStyle>
           <a:p>
             <a:r>
-              <a:rPr lang="zh-CN" altLang="en-US" smtClean="0"/>
+              <a:rPr lang="zh-CN" altLang="en-US"/>
               <a:t>单击图标添加图片</a:t>
             </a:r>
             <a:endParaRPr lang="en-US" dirty="0"/>
@@ -595,7 +595,7 @@
           <a:p>
             <a:pPr lvl="0"/>
             <a:r>
-              <a:rPr lang="zh-CN" altLang="en-US" smtClean="0"/>
+              <a:rPr lang="zh-CN" altLang="en-US"/>
               <a:t>编辑母版文本样式</a:t>
             </a:r>
           </a:p>
@@ -619,7 +619,7 @@
             <a:fld id="{B61BEF0D-F0BB-DE4B-95CE-6DB70DBA9567}" type="datetimeFigureOut">
               <a:rPr lang="en-US" smtClean="0"/>
               <a:pPr/>
-              <a:t>4/6/2016</a:t>
+              <a:t>5/30/2019</a:t>
             </a:fld>
             <a:endParaRPr lang="en-US" dirty="0"/>
           </a:p>
@@ -730,7 +730,7 @@
           </a:lstStyle>
           <a:p>
             <a:r>
-              <a:rPr lang="zh-CN" altLang="en-US" smtClean="0"/>
+              <a:rPr lang="zh-CN" altLang="en-US"/>
               <a:t>单击此处编辑母版标题样式</a:t>
             </a:r>
             <a:endParaRPr lang="en-US" dirty="0"/>
@@ -861,7 +861,7 @@
           <a:p>
             <a:pPr lvl="0"/>
             <a:r>
-              <a:rPr lang="zh-CN" altLang="en-US" smtClean="0"/>
+              <a:rPr lang="zh-CN" altLang="en-US"/>
               <a:t>编辑母版文本样式</a:t>
             </a:r>
           </a:p>
@@ -885,7 +885,7 @@
             <a:fld id="{B61BEF0D-F0BB-DE4B-95CE-6DB70DBA9567}" type="datetimeFigureOut">
               <a:rPr lang="en-US" smtClean="0"/>
               <a:pPr/>
-              <a:t>4/6/2016</a:t>
+              <a:t>5/30/2019</a:t>
             </a:fld>
             <a:endParaRPr lang="en-US" dirty="0"/>
           </a:p>
@@ -1236,7 +1236,7 @@
           </a:lstStyle>
           <a:p>
             <a:r>
-              <a:rPr lang="zh-CN" altLang="en-US" smtClean="0"/>
+              <a:rPr lang="zh-CN" altLang="en-US"/>
               <a:t>单击此处编辑母版标题样式</a:t>
             </a:r>
             <a:endParaRPr lang="en-US" dirty="0"/>
@@ -1293,7 +1293,7 @@
           <a:p>
             <a:pPr lvl="0"/>
             <a:r>
-              <a:rPr lang="zh-CN" altLang="en-US" smtClean="0"/>
+              <a:rPr lang="zh-CN" altLang="en-US"/>
               <a:t>编辑母版文本样式</a:t>
             </a:r>
           </a:p>
@@ -1423,7 +1423,7 @@
           <a:p>
             <a:pPr lvl="0"/>
             <a:r>
-              <a:rPr lang="zh-CN" altLang="en-US" smtClean="0"/>
+              <a:rPr lang="zh-CN" altLang="en-US"/>
               <a:t>编辑母版文本样式</a:t>
             </a:r>
           </a:p>
@@ -1447,7 +1447,7 @@
             <a:fld id="{B61BEF0D-F0BB-DE4B-95CE-6DB70DBA9567}" type="datetimeFigureOut">
               <a:rPr lang="en-US" smtClean="0"/>
               <a:pPr/>
-              <a:t>4/6/2016</a:t>
+              <a:t>5/30/2019</a:t>
             </a:fld>
             <a:endParaRPr lang="en-US" dirty="0"/>
           </a:p>
@@ -1553,7 +1553,7 @@
           </a:lstStyle>
           <a:p>
             <a:r>
-              <a:rPr lang="zh-CN" altLang="en-US" smtClean="0"/>
+              <a:rPr lang="zh-CN" altLang="en-US"/>
               <a:t>单击此处编辑母版标题样式</a:t>
             </a:r>
             <a:endParaRPr lang="en-US" dirty="0"/>
@@ -1684,7 +1684,7 @@
           <a:p>
             <a:pPr lvl="0"/>
             <a:r>
-              <a:rPr lang="zh-CN" altLang="en-US" smtClean="0"/>
+              <a:rPr lang="zh-CN" altLang="en-US"/>
               <a:t>编辑母版文本样式</a:t>
             </a:r>
           </a:p>
@@ -1708,7 +1708,7 @@
             <a:fld id="{B61BEF0D-F0BB-DE4B-95CE-6DB70DBA9567}" type="datetimeFigureOut">
               <a:rPr lang="en-US" smtClean="0"/>
               <a:pPr/>
-              <a:t>4/6/2016</a:t>
+              <a:t>5/30/2019</a:t>
             </a:fld>
             <a:endParaRPr lang="en-US" dirty="0"/>
           </a:p>
@@ -2059,7 +2059,7 @@
           </a:lstStyle>
           <a:p>
             <a:r>
-              <a:rPr lang="zh-CN" altLang="en-US" smtClean="0"/>
+              <a:rPr lang="zh-CN" altLang="en-US"/>
               <a:t>单击此处编辑母版标题样式</a:t>
             </a:r>
             <a:endParaRPr lang="en-US" dirty="0"/>
@@ -2132,7 +2132,7 @@
               <a:buNone/>
             </a:pPr>
             <a:r>
-              <a:rPr lang="zh-CN" altLang="en-US" smtClean="0"/>
+              <a:rPr lang="zh-CN" altLang="en-US"/>
               <a:t>编辑母版文本样式</a:t>
             </a:r>
           </a:p>
@@ -2262,7 +2262,7 @@
           <a:p>
             <a:pPr lvl="0"/>
             <a:r>
-              <a:rPr lang="zh-CN" altLang="en-US" smtClean="0"/>
+              <a:rPr lang="zh-CN" altLang="en-US"/>
               <a:t>编辑母版文本样式</a:t>
             </a:r>
           </a:p>
@@ -2286,7 +2286,7 @@
             <a:fld id="{B61BEF0D-F0BB-DE4B-95CE-6DB70DBA9567}" type="datetimeFigureOut">
               <a:rPr lang="en-US" smtClean="0"/>
               <a:pPr/>
-              <a:t>4/6/2016</a:t>
+              <a:t>5/30/2019</a:t>
             </a:fld>
             <a:endParaRPr lang="en-US" dirty="0"/>
           </a:p>
@@ -2393,7 +2393,7 @@
           <a:p>
             <a:pPr marL="0" lvl="0"/>
             <a:r>
-              <a:rPr lang="zh-CN" altLang="en-US" smtClean="0"/>
+              <a:rPr lang="zh-CN" altLang="en-US"/>
               <a:t>单击此处编辑母版标题样式</a:t>
             </a:r>
             <a:endParaRPr lang="en-US" dirty="0"/>
@@ -2466,7 +2466,7 @@
               <a:buNone/>
             </a:pPr>
             <a:r>
-              <a:rPr lang="zh-CN" altLang="en-US" smtClean="0"/>
+              <a:rPr lang="zh-CN" altLang="en-US"/>
               <a:t>编辑母版文本样式</a:t>
             </a:r>
           </a:p>
@@ -2596,7 +2596,7 @@
           <a:p>
             <a:pPr lvl="0"/>
             <a:r>
-              <a:rPr lang="zh-CN" altLang="en-US" smtClean="0"/>
+              <a:rPr lang="zh-CN" altLang="en-US"/>
               <a:t>编辑母版文本样式</a:t>
             </a:r>
           </a:p>
@@ -2620,7 +2620,7 @@
             <a:fld id="{B61BEF0D-F0BB-DE4B-95CE-6DB70DBA9567}" type="datetimeFigureOut">
               <a:rPr lang="en-US" smtClean="0"/>
               <a:pPr/>
-              <a:t>4/6/2016</a:t>
+              <a:t>5/30/2019</a:t>
             </a:fld>
             <a:endParaRPr lang="en-US" dirty="0"/>
           </a:p>
@@ -2720,7 +2720,7 @@
           <a:lstStyle/>
           <a:p>
             <a:r>
-              <a:rPr lang="zh-CN" altLang="en-US" smtClean="0"/>
+              <a:rPr lang="zh-CN" altLang="en-US"/>
               <a:t>单击此处编辑母版标题样式</a:t>
             </a:r>
             <a:endParaRPr lang="en-US" dirty="0"/>
@@ -2744,35 +2744,35 @@
           <a:p>
             <a:pPr lvl="0"/>
             <a:r>
-              <a:rPr lang="zh-CN" altLang="en-US" smtClean="0"/>
+              <a:rPr lang="zh-CN" altLang="en-US"/>
               <a:t>编辑母版文本样式</a:t>
             </a:r>
           </a:p>
           <a:p>
             <a:pPr lvl="1"/>
             <a:r>
-              <a:rPr lang="zh-CN" altLang="en-US" smtClean="0"/>
+              <a:rPr lang="zh-CN" altLang="en-US"/>
               <a:t>第二级</a:t>
             </a:r>
           </a:p>
           <a:p>
             <a:pPr lvl="2"/>
             <a:r>
-              <a:rPr lang="zh-CN" altLang="en-US" smtClean="0"/>
+              <a:rPr lang="zh-CN" altLang="en-US"/>
               <a:t>第三级</a:t>
             </a:r>
           </a:p>
           <a:p>
             <a:pPr lvl="3"/>
             <a:r>
-              <a:rPr lang="zh-CN" altLang="en-US" smtClean="0"/>
+              <a:rPr lang="zh-CN" altLang="en-US"/>
               <a:t>第四级</a:t>
             </a:r>
           </a:p>
           <a:p>
             <a:pPr lvl="4"/>
             <a:r>
-              <a:rPr lang="zh-CN" altLang="en-US" smtClean="0"/>
+              <a:rPr lang="zh-CN" altLang="en-US"/>
               <a:t>第五级</a:t>
             </a:r>
             <a:endParaRPr lang="en-US" dirty="0"/>
@@ -2797,7 +2797,7 @@
             <a:fld id="{B61BEF0D-F0BB-DE4B-95CE-6DB70DBA9567}" type="datetimeFigureOut">
               <a:rPr lang="en-US" smtClean="0"/>
               <a:pPr/>
-              <a:t>4/6/2016</a:t>
+              <a:t>5/30/2019</a:t>
             </a:fld>
             <a:endParaRPr lang="en-US" dirty="0"/>
           </a:p>
@@ -2897,7 +2897,7 @@
           <a:lstStyle/>
           <a:p>
             <a:r>
-              <a:rPr lang="zh-CN" altLang="en-US" smtClean="0"/>
+              <a:rPr lang="zh-CN" altLang="en-US"/>
               <a:t>单击此处编辑母版标题样式</a:t>
             </a:r>
             <a:endParaRPr lang="en-US" dirty="0"/>
@@ -2926,35 +2926,35 @@
           <a:p>
             <a:pPr lvl="0"/>
             <a:r>
-              <a:rPr lang="zh-CN" altLang="en-US" smtClean="0"/>
+              <a:rPr lang="zh-CN" altLang="en-US"/>
               <a:t>编辑母版文本样式</a:t>
             </a:r>
           </a:p>
           <a:p>
             <a:pPr lvl="1"/>
             <a:r>
-              <a:rPr lang="zh-CN" altLang="en-US" smtClean="0"/>
+              <a:rPr lang="zh-CN" altLang="en-US"/>
               <a:t>第二级</a:t>
             </a:r>
           </a:p>
           <a:p>
             <a:pPr lvl="2"/>
             <a:r>
-              <a:rPr lang="zh-CN" altLang="en-US" smtClean="0"/>
+              <a:rPr lang="zh-CN" altLang="en-US"/>
               <a:t>第三级</a:t>
             </a:r>
           </a:p>
           <a:p>
             <a:pPr lvl="3"/>
             <a:r>
-              <a:rPr lang="zh-CN" altLang="en-US" smtClean="0"/>
+              <a:rPr lang="zh-CN" altLang="en-US"/>
               <a:t>第四级</a:t>
             </a:r>
           </a:p>
           <a:p>
             <a:pPr lvl="4"/>
             <a:r>
-              <a:rPr lang="zh-CN" altLang="en-US" smtClean="0"/>
+              <a:rPr lang="zh-CN" altLang="en-US"/>
               <a:t>第五级</a:t>
             </a:r>
             <a:endParaRPr lang="en-US" dirty="0"/>
@@ -2979,7 +2979,7 @@
             <a:fld id="{B61BEF0D-F0BB-DE4B-95CE-6DB70DBA9567}" type="datetimeFigureOut">
               <a:rPr lang="en-US" smtClean="0"/>
               <a:pPr/>
-              <a:t>4/6/2016</a:t>
+              <a:t>5/30/2019</a:t>
             </a:fld>
             <a:endParaRPr lang="en-US" dirty="0"/>
           </a:p>
@@ -3074,7 +3074,7 @@
           <a:lstStyle/>
           <a:p>
             <a:r>
-              <a:rPr lang="zh-CN" altLang="en-US" smtClean="0"/>
+              <a:rPr lang="zh-CN" altLang="en-US"/>
               <a:t>单击此处编辑母版标题样式</a:t>
             </a:r>
             <a:endParaRPr lang="en-US" dirty="0"/>
@@ -3098,35 +3098,35 @@
           <a:p>
             <a:pPr lvl="0"/>
             <a:r>
-              <a:rPr lang="zh-CN" altLang="en-US" smtClean="0"/>
+              <a:rPr lang="zh-CN" altLang="en-US"/>
               <a:t>编辑母版文本样式</a:t>
             </a:r>
           </a:p>
           <a:p>
             <a:pPr lvl="1"/>
             <a:r>
-              <a:rPr lang="zh-CN" altLang="en-US" smtClean="0"/>
+              <a:rPr lang="zh-CN" altLang="en-US"/>
               <a:t>第二级</a:t>
             </a:r>
           </a:p>
           <a:p>
             <a:pPr lvl="2"/>
             <a:r>
-              <a:rPr lang="zh-CN" altLang="en-US" smtClean="0"/>
+              <a:rPr lang="zh-CN" altLang="en-US"/>
               <a:t>第三级</a:t>
             </a:r>
           </a:p>
           <a:p>
             <a:pPr lvl="3"/>
             <a:r>
-              <a:rPr lang="zh-CN" altLang="en-US" smtClean="0"/>
+              <a:rPr lang="zh-CN" altLang="en-US"/>
               <a:t>第四级</a:t>
             </a:r>
           </a:p>
           <a:p>
             <a:pPr lvl="4"/>
             <a:r>
-              <a:rPr lang="zh-CN" altLang="en-US" smtClean="0"/>
+              <a:rPr lang="zh-CN" altLang="en-US"/>
               <a:t>第五级</a:t>
             </a:r>
             <a:endParaRPr lang="en-US" dirty="0"/>
@@ -3151,7 +3151,7 @@
             <a:fld id="{B61BEF0D-F0BB-DE4B-95CE-6DB70DBA9567}" type="datetimeFigureOut">
               <a:rPr lang="en-US" smtClean="0"/>
               <a:pPr/>
-              <a:t>4/6/2016</a:t>
+              <a:t>5/30/2019</a:t>
             </a:fld>
             <a:endParaRPr lang="en-US" dirty="0"/>
           </a:p>
@@ -3257,7 +3257,7 @@
           </a:lstStyle>
           <a:p>
             <a:r>
-              <a:rPr lang="zh-CN" altLang="en-US" smtClean="0"/>
+              <a:rPr lang="zh-CN" altLang="en-US"/>
               <a:t>单击此处编辑母版标题样式</a:t>
             </a:r>
             <a:endParaRPr lang="en-US" dirty="0"/>
@@ -3388,7 +3388,7 @@
           <a:p>
             <a:pPr lvl="0"/>
             <a:r>
-              <a:rPr lang="zh-CN" altLang="en-US" smtClean="0"/>
+              <a:rPr lang="zh-CN" altLang="en-US"/>
               <a:t>编辑母版文本样式</a:t>
             </a:r>
           </a:p>
@@ -3412,7 +3412,7 @@
             <a:fld id="{B61BEF0D-F0BB-DE4B-95CE-6DB70DBA9567}" type="datetimeFigureOut">
               <a:rPr lang="en-US" smtClean="0"/>
               <a:pPr/>
-              <a:t>4/6/2016</a:t>
+              <a:t>5/30/2019</a:t>
             </a:fld>
             <a:endParaRPr lang="en-US" dirty="0"/>
           </a:p>
@@ -3507,7 +3507,7 @@
           <a:lstStyle/>
           <a:p>
             <a:r>
-              <a:rPr lang="zh-CN" altLang="en-US" smtClean="0"/>
+              <a:rPr lang="zh-CN" altLang="en-US"/>
               <a:t>单击此处编辑母版标题样式</a:t>
             </a:r>
             <a:endParaRPr lang="en-US" dirty="0"/>
@@ -3566,35 +3566,35 @@
           <a:p>
             <a:pPr lvl="0"/>
             <a:r>
-              <a:rPr lang="zh-CN" altLang="en-US" smtClean="0"/>
+              <a:rPr lang="zh-CN" altLang="en-US"/>
               <a:t>编辑母版文本样式</a:t>
             </a:r>
           </a:p>
           <a:p>
             <a:pPr lvl="1"/>
             <a:r>
-              <a:rPr lang="zh-CN" altLang="en-US" smtClean="0"/>
+              <a:rPr lang="zh-CN" altLang="en-US"/>
               <a:t>第二级</a:t>
             </a:r>
           </a:p>
           <a:p>
             <a:pPr lvl="2"/>
             <a:r>
-              <a:rPr lang="zh-CN" altLang="en-US" smtClean="0"/>
+              <a:rPr lang="zh-CN" altLang="en-US"/>
               <a:t>第三级</a:t>
             </a:r>
           </a:p>
           <a:p>
             <a:pPr lvl="3"/>
             <a:r>
-              <a:rPr lang="zh-CN" altLang="en-US" smtClean="0"/>
+              <a:rPr lang="zh-CN" altLang="en-US"/>
               <a:t>第四级</a:t>
             </a:r>
           </a:p>
           <a:p>
             <a:pPr lvl="4"/>
             <a:r>
-              <a:rPr lang="zh-CN" altLang="en-US" smtClean="0"/>
+              <a:rPr lang="zh-CN" altLang="en-US"/>
               <a:t>第五级</a:t>
             </a:r>
             <a:endParaRPr lang="en-US" dirty="0"/>
@@ -3653,35 +3653,35 @@
           <a:p>
             <a:pPr lvl="0"/>
             <a:r>
-              <a:rPr lang="zh-CN" altLang="en-US" smtClean="0"/>
+              <a:rPr lang="zh-CN" altLang="en-US"/>
               <a:t>编辑母版文本样式</a:t>
             </a:r>
           </a:p>
           <a:p>
             <a:pPr lvl="1"/>
             <a:r>
-              <a:rPr lang="zh-CN" altLang="en-US" smtClean="0"/>
+              <a:rPr lang="zh-CN" altLang="en-US"/>
               <a:t>第二级</a:t>
             </a:r>
           </a:p>
           <a:p>
             <a:pPr lvl="2"/>
             <a:r>
-              <a:rPr lang="zh-CN" altLang="en-US" smtClean="0"/>
+              <a:rPr lang="zh-CN" altLang="en-US"/>
               <a:t>第三级</a:t>
             </a:r>
           </a:p>
           <a:p>
             <a:pPr lvl="3"/>
             <a:r>
-              <a:rPr lang="zh-CN" altLang="en-US" smtClean="0"/>
+              <a:rPr lang="zh-CN" altLang="en-US"/>
               <a:t>第四级</a:t>
             </a:r>
           </a:p>
           <a:p>
             <a:pPr lvl="4"/>
             <a:r>
-              <a:rPr lang="zh-CN" altLang="en-US" smtClean="0"/>
+              <a:rPr lang="zh-CN" altLang="en-US"/>
               <a:t>第五级</a:t>
             </a:r>
             <a:endParaRPr lang="en-US" dirty="0"/>
@@ -3706,7 +3706,7 @@
             <a:fld id="{B61BEF0D-F0BB-DE4B-95CE-6DB70DBA9567}" type="datetimeFigureOut">
               <a:rPr lang="en-US" smtClean="0"/>
               <a:pPr/>
-              <a:t>4/6/2016</a:t>
+              <a:t>5/30/2019</a:t>
             </a:fld>
             <a:endParaRPr lang="en-US" dirty="0"/>
           </a:p>
@@ -3805,7 +3805,7 @@
           </a:lstStyle>
           <a:p>
             <a:r>
-              <a:rPr lang="zh-CN" altLang="en-US" smtClean="0"/>
+              <a:rPr lang="zh-CN" altLang="en-US"/>
               <a:t>单击此处编辑母版标题样式</a:t>
             </a:r>
             <a:endParaRPr lang="en-US" dirty="0"/>
@@ -3873,7 +3873,7 @@
           <a:p>
             <a:pPr lvl="0"/>
             <a:r>
-              <a:rPr lang="zh-CN" altLang="en-US" smtClean="0"/>
+              <a:rPr lang="zh-CN" altLang="en-US"/>
               <a:t>编辑母版文本样式</a:t>
             </a:r>
           </a:p>
@@ -3931,35 +3931,35 @@
           <a:p>
             <a:pPr lvl="0"/>
             <a:r>
-              <a:rPr lang="zh-CN" altLang="en-US" smtClean="0"/>
+              <a:rPr lang="zh-CN" altLang="en-US"/>
               <a:t>编辑母版文本样式</a:t>
             </a:r>
           </a:p>
           <a:p>
             <a:pPr lvl="1"/>
             <a:r>
-              <a:rPr lang="zh-CN" altLang="en-US" smtClean="0"/>
+              <a:rPr lang="zh-CN" altLang="en-US"/>
               <a:t>第二级</a:t>
             </a:r>
           </a:p>
           <a:p>
             <a:pPr lvl="2"/>
             <a:r>
-              <a:rPr lang="zh-CN" altLang="en-US" smtClean="0"/>
+              <a:rPr lang="zh-CN" altLang="en-US"/>
               <a:t>第三级</a:t>
             </a:r>
           </a:p>
           <a:p>
             <a:pPr lvl="3"/>
             <a:r>
-              <a:rPr lang="zh-CN" altLang="en-US" smtClean="0"/>
+              <a:rPr lang="zh-CN" altLang="en-US"/>
               <a:t>第四级</a:t>
             </a:r>
           </a:p>
           <a:p>
             <a:pPr lvl="4"/>
             <a:r>
-              <a:rPr lang="zh-CN" altLang="en-US" smtClean="0"/>
+              <a:rPr lang="zh-CN" altLang="en-US"/>
               <a:t>第五级</a:t>
             </a:r>
             <a:endParaRPr lang="en-US" dirty="0"/>
@@ -4027,7 +4027,7 @@
           <a:p>
             <a:pPr lvl="0"/>
             <a:r>
-              <a:rPr lang="zh-CN" altLang="en-US" smtClean="0"/>
+              <a:rPr lang="zh-CN" altLang="en-US"/>
               <a:t>编辑母版文本样式</a:t>
             </a:r>
           </a:p>
@@ -4085,35 +4085,35 @@
           <a:p>
             <a:pPr lvl="0"/>
             <a:r>
-              <a:rPr lang="zh-CN" altLang="en-US" smtClean="0"/>
+              <a:rPr lang="zh-CN" altLang="en-US"/>
               <a:t>编辑母版文本样式</a:t>
             </a:r>
           </a:p>
           <a:p>
             <a:pPr lvl="1"/>
             <a:r>
-              <a:rPr lang="zh-CN" altLang="en-US" smtClean="0"/>
+              <a:rPr lang="zh-CN" altLang="en-US"/>
               <a:t>第二级</a:t>
             </a:r>
           </a:p>
           <a:p>
             <a:pPr lvl="2"/>
             <a:r>
-              <a:rPr lang="zh-CN" altLang="en-US" smtClean="0"/>
+              <a:rPr lang="zh-CN" altLang="en-US"/>
               <a:t>第三级</a:t>
             </a:r>
           </a:p>
           <a:p>
             <a:pPr lvl="3"/>
             <a:r>
-              <a:rPr lang="zh-CN" altLang="en-US" smtClean="0"/>
+              <a:rPr lang="zh-CN" altLang="en-US"/>
               <a:t>第四级</a:t>
             </a:r>
           </a:p>
           <a:p>
             <a:pPr lvl="4"/>
             <a:r>
-              <a:rPr lang="zh-CN" altLang="en-US" smtClean="0"/>
+              <a:rPr lang="zh-CN" altLang="en-US"/>
               <a:t>第五级</a:t>
             </a:r>
             <a:endParaRPr lang="en-US" dirty="0"/>
@@ -4138,7 +4138,7 @@
             <a:fld id="{B61BEF0D-F0BB-DE4B-95CE-6DB70DBA9567}" type="datetimeFigureOut">
               <a:rPr lang="en-US" smtClean="0"/>
               <a:pPr/>
-              <a:t>4/6/2016</a:t>
+              <a:t>5/30/2019</a:t>
             </a:fld>
             <a:endParaRPr lang="en-US" dirty="0"/>
           </a:p>
@@ -4239,7 +4239,7 @@
           </a:lstStyle>
           <a:p>
             <a:r>
-              <a:rPr lang="zh-CN" altLang="en-US" smtClean="0"/>
+              <a:rPr lang="zh-CN" altLang="en-US"/>
               <a:t>单击此处编辑母版标题样式</a:t>
             </a:r>
             <a:endParaRPr lang="en-US" dirty="0"/>
@@ -4264,7 +4264,7 @@
             <a:fld id="{B61BEF0D-F0BB-DE4B-95CE-6DB70DBA9567}" type="datetimeFigureOut">
               <a:rPr lang="en-US" smtClean="0"/>
               <a:pPr/>
-              <a:t>4/6/2016</a:t>
+              <a:t>5/30/2019</a:t>
             </a:fld>
             <a:endParaRPr lang="en-US" dirty="0"/>
           </a:p>
@@ -4361,7 +4361,7 @@
             <a:fld id="{B61BEF0D-F0BB-DE4B-95CE-6DB70DBA9567}" type="datetimeFigureOut">
               <a:rPr lang="en-US" smtClean="0"/>
               <a:pPr/>
-              <a:t>4/6/2016</a:t>
+              <a:t>5/30/2019</a:t>
             </a:fld>
             <a:endParaRPr lang="en-US" dirty="0"/>
           </a:p>
@@ -4467,7 +4467,7 @@
           </a:lstStyle>
           <a:p>
             <a:r>
-              <a:rPr lang="zh-CN" altLang="en-US" smtClean="0"/>
+              <a:rPr lang="zh-CN" altLang="en-US"/>
               <a:t>单击此处编辑母版标题样式</a:t>
             </a:r>
             <a:endParaRPr lang="en-US" dirty="0"/>
@@ -4526,35 +4526,35 @@
           <a:p>
             <a:pPr lvl="0"/>
             <a:r>
-              <a:rPr lang="zh-CN" altLang="en-US" smtClean="0"/>
+              <a:rPr lang="zh-CN" altLang="en-US"/>
               <a:t>编辑母版文本样式</a:t>
             </a:r>
           </a:p>
           <a:p>
             <a:pPr lvl="1"/>
             <a:r>
-              <a:rPr lang="zh-CN" altLang="en-US" smtClean="0"/>
+              <a:rPr lang="zh-CN" altLang="en-US"/>
               <a:t>第二级</a:t>
             </a:r>
           </a:p>
           <a:p>
             <a:pPr lvl="2"/>
             <a:r>
-              <a:rPr lang="zh-CN" altLang="en-US" smtClean="0"/>
+              <a:rPr lang="zh-CN" altLang="en-US"/>
               <a:t>第三级</a:t>
             </a:r>
           </a:p>
           <a:p>
             <a:pPr lvl="3"/>
             <a:r>
-              <a:rPr lang="zh-CN" altLang="en-US" smtClean="0"/>
+              <a:rPr lang="zh-CN" altLang="en-US"/>
               <a:t>第四级</a:t>
             </a:r>
           </a:p>
           <a:p>
             <a:pPr lvl="4"/>
             <a:r>
-              <a:rPr lang="zh-CN" altLang="en-US" smtClean="0"/>
+              <a:rPr lang="zh-CN" altLang="en-US"/>
               <a:t>第五级</a:t>
             </a:r>
             <a:endParaRPr lang="en-US" dirty="0"/>
@@ -4622,7 +4622,7 @@
           <a:p>
             <a:pPr lvl="0"/>
             <a:r>
-              <a:rPr lang="zh-CN" altLang="en-US" smtClean="0"/>
+              <a:rPr lang="zh-CN" altLang="en-US"/>
               <a:t>编辑母版文本样式</a:t>
             </a:r>
           </a:p>
@@ -4646,7 +4646,7 @@
             <a:fld id="{B61BEF0D-F0BB-DE4B-95CE-6DB70DBA9567}" type="datetimeFigureOut">
               <a:rPr lang="en-US" smtClean="0"/>
               <a:pPr/>
-              <a:t>4/6/2016</a:t>
+              <a:t>5/30/2019</a:t>
             </a:fld>
             <a:endParaRPr lang="en-US" dirty="0"/>
           </a:p>
@@ -4752,7 +4752,7 @@
           </a:lstStyle>
           <a:p>
             <a:r>
-              <a:rPr lang="zh-CN" altLang="en-US" smtClean="0"/>
+              <a:rPr lang="zh-CN" altLang="en-US"/>
               <a:t>单击此处编辑母版标题样式</a:t>
             </a:r>
             <a:endParaRPr lang="en-US" dirty="0"/>
@@ -4842,7 +4842,7 @@
           </a:lstStyle>
           <a:p>
             <a:r>
-              <a:rPr lang="zh-CN" altLang="en-US" smtClean="0"/>
+              <a:rPr lang="zh-CN" altLang="en-US"/>
               <a:t>单击图标添加图片</a:t>
             </a:r>
             <a:endParaRPr lang="en-US" dirty="0"/>
@@ -4910,7 +4910,7 @@
           <a:p>
             <a:pPr lvl="0"/>
             <a:r>
-              <a:rPr lang="zh-CN" altLang="en-US" smtClean="0"/>
+              <a:rPr lang="zh-CN" altLang="en-US"/>
               <a:t>编辑母版文本样式</a:t>
             </a:r>
           </a:p>
@@ -4939,7 +4939,7 @@
             <a:fld id="{B61BEF0D-F0BB-DE4B-95CE-6DB70DBA9567}" type="datetimeFigureOut">
               <a:rPr lang="en-US" smtClean="0"/>
               <a:pPr/>
-              <a:t>4/6/2016</a:t>
+              <a:t>5/30/2019</a:t>
             </a:fld>
             <a:endParaRPr lang="en-US" dirty="0"/>
           </a:p>
@@ -5059,7 +5059,7 @@
           <a:lstStyle/>
           <a:p>
             <a:r>
-              <a:rPr lang="zh-CN" altLang="en-US" smtClean="0"/>
+              <a:rPr lang="zh-CN" altLang="en-US"/>
               <a:t>单击此处编辑母版标题样式</a:t>
             </a:r>
             <a:endParaRPr lang="en-US" dirty="0"/>
@@ -5093,35 +5093,35 @@
           <a:p>
             <a:pPr lvl="0"/>
             <a:r>
-              <a:rPr lang="zh-CN" altLang="en-US" smtClean="0"/>
+              <a:rPr lang="zh-CN" altLang="en-US"/>
               <a:t>编辑母版文本样式</a:t>
             </a:r>
           </a:p>
           <a:p>
             <a:pPr lvl="1"/>
             <a:r>
-              <a:rPr lang="zh-CN" altLang="en-US" smtClean="0"/>
+              <a:rPr lang="zh-CN" altLang="en-US"/>
               <a:t>第二级</a:t>
             </a:r>
           </a:p>
           <a:p>
             <a:pPr lvl="2"/>
             <a:r>
-              <a:rPr lang="zh-CN" altLang="en-US" smtClean="0"/>
+              <a:rPr lang="zh-CN" altLang="en-US"/>
               <a:t>第三级</a:t>
             </a:r>
           </a:p>
           <a:p>
             <a:pPr lvl="3"/>
             <a:r>
-              <a:rPr lang="zh-CN" altLang="en-US" smtClean="0"/>
+              <a:rPr lang="zh-CN" altLang="en-US"/>
               <a:t>第四级</a:t>
             </a:r>
           </a:p>
           <a:p>
             <a:pPr lvl="4"/>
             <a:r>
-              <a:rPr lang="zh-CN" altLang="en-US" smtClean="0"/>
+              <a:rPr lang="zh-CN" altLang="en-US"/>
               <a:t>第五级</a:t>
             </a:r>
             <a:endParaRPr lang="en-US" dirty="0"/>
@@ -5172,7 +5172,7 @@
             <a:fld id="{B61BEF0D-F0BB-DE4B-95CE-6DB70DBA9567}" type="datetimeFigureOut">
               <a:rPr lang="en-US" smtClean="0"/>
               <a:pPr/>
-              <a:t>4/6/2016</a:t>
+              <a:t>5/30/2019</a:t>
             </a:fld>
             <a:endParaRPr lang="en-US" dirty="0"/>
           </a:p>
@@ -6036,24 +6036,6 @@
               </a:rPr>
               <a:t>制作</a:t>
             </a:r>
-            <a:endParaRPr lang="zh-CN" altLang="en-US" sz="4800" b="1" dirty="0">
-              <a:ln w="6600">
-                <a:solidFill>
-                  <a:schemeClr val="accent2"/>
-                </a:solidFill>
-                <a:prstDash val="solid"/>
-              </a:ln>
-              <a:solidFill>
-                <a:srgbClr val="FFFFFF"/>
-              </a:solidFill>
-              <a:effectLst>
-                <a:outerShdw dist="38100" dir="2700000" algn="tl" rotWithShape="0">
-                  <a:schemeClr val="accent2"/>
-                </a:outerShdw>
-              </a:effectLst>
-              <a:latin typeface="等线" panose="02010600030101010101" pitchFamily="2" charset="-122"/>
-              <a:ea typeface="等线" panose="02010600030101010101" pitchFamily="2" charset="-122"/>
-            </a:endParaRPr>
           </a:p>
         </p:txBody>
       </p:sp>
@@ -6222,22 +6204,6 @@
               </a:rPr>
               <a:t>放弃</a:t>
             </a:r>
-            <a:endParaRPr lang="zh-CN" altLang="en-US" sz="5400" b="1" i="1" dirty="0">
-              <a:ln w="0"/>
-              <a:solidFill>
-                <a:srgbClr val="FF0000"/>
-              </a:solidFill>
-              <a:effectLst>
-                <a:outerShdw blurRad="38100" dist="38100" dir="2700000" algn="tl">
-                  <a:srgbClr val="000000">
-                    <a:alpha val="43137"/>
-                  </a:srgbClr>
-                </a:outerShdw>
-                <a:reflection blurRad="6350" stA="53000" endA="300" endPos="35500" dir="5400000" sy="-90000" algn="bl" rotWithShape="0"/>
-              </a:effectLst>
-              <a:latin typeface="等线" panose="02010600030101010101" pitchFamily="2" charset="-122"/>
-              <a:ea typeface="等线" panose="02010600030101010101" pitchFamily="2" charset="-122"/>
-            </a:endParaRPr>
           </a:p>
         </p:txBody>
       </p:sp>
@@ -6264,140 +6230,480 @@
           <a:lstStyle/>
           <a:p>
             <a:r>
-              <a:rPr lang="en-US" altLang="zh-CN" dirty="0" smtClean="0">
+              <a:rPr lang="en-US" altLang="zh-CN" dirty="0">
                 <a:latin typeface="等线 Light" panose="02010600030101010101" pitchFamily="2" charset="-122"/>
                 <a:ea typeface="等线 Light" panose="02010600030101010101" pitchFamily="2" charset="-122"/>
               </a:rPr>
               <a:t>www.dawuxia.net </a:t>
             </a:r>
             <a:r>
-              <a:rPr lang="zh-CN" altLang="en-US" dirty="0" smtClean="0">
-                <a:latin typeface="等线 Light" panose="02010600030101010101" pitchFamily="2" charset="-122"/>
-                <a:ea typeface="等线 Light" panose="02010600030101010101" pitchFamily="2" charset="-122"/>
-              </a:rPr>
-              <a:t>荣誉</a:t>
-            </a:r>
-            <a:r>
               <a:rPr lang="zh-CN" altLang="en-US" dirty="0">
                 <a:latin typeface="等线 Light" panose="02010600030101010101" pitchFamily="2" charset="-122"/>
                 <a:ea typeface="等线 Light" panose="02010600030101010101" pitchFamily="2" charset="-122"/>
               </a:rPr>
-              <a:t>出品</a:t>
-            </a:r>
-          </a:p>
-        </p:txBody>
-      </p:sp>
-      <p:sp>
-        <p:nvSpPr>
-          <p:cNvPr id="8" name="文本框 7"/>
-          <p:cNvSpPr txBox="1"/>
-          <p:nvPr/>
-        </p:nvSpPr>
-        <p:spPr>
-          <a:xfrm>
-            <a:off x="2520927" y="7344282"/>
-            <a:ext cx="3377848" cy="923330"/>
-          </a:xfrm>
-          <a:prstGeom prst="rect">
-            <a:avLst/>
-          </a:prstGeom>
-          <a:noFill/>
-        </p:spPr>
-        <p:txBody>
-          <a:bodyPr wrap="none" rtlCol="0">
-            <a:spAutoFit/>
-          </a:bodyPr>
-          <a:lstStyle/>
-          <a:p>
-            <a:r>
-              <a:rPr lang="zh-CN" altLang="en-US" dirty="0" smtClean="0">
-                <a:latin typeface="等线 Light" panose="02010600030101010101" pitchFamily="2" charset="-122"/>
-                <a:ea typeface="等线 Light" panose="02010600030101010101" pitchFamily="2" charset="-122"/>
-              </a:rPr>
-              <a:t>编委</a:t>
-            </a:r>
-            <a:r>
-              <a:rPr lang="en-US" altLang="zh-CN" dirty="0" smtClean="0">
-                <a:latin typeface="等线 Light" panose="02010600030101010101" pitchFamily="2" charset="-122"/>
-                <a:ea typeface="等线 Light" panose="02010600030101010101" pitchFamily="2" charset="-122"/>
-              </a:rPr>
-              <a:t>	</a:t>
-            </a:r>
-            <a:r>
-              <a:rPr lang="en-US" altLang="zh-CN" dirty="0" err="1" smtClean="0">
-                <a:latin typeface="等线 Light" panose="02010600030101010101" pitchFamily="2" charset="-122"/>
-                <a:ea typeface="等线 Light" panose="02010600030101010101" pitchFamily="2" charset="-122"/>
-              </a:rPr>
-              <a:t>bttt</a:t>
-            </a:r>
-            <a:r>
-              <a:rPr lang="en-US" altLang="zh-CN" dirty="0" smtClean="0">
-                <a:latin typeface="等线 Light" panose="02010600030101010101" pitchFamily="2" charset="-122"/>
-                <a:ea typeface="等线 Light" panose="02010600030101010101" pitchFamily="2" charset="-122"/>
-              </a:rPr>
-              <a:t> KA </a:t>
-            </a:r>
-            <a:r>
-              <a:rPr lang="zh-CN" altLang="en-US" dirty="0" smtClean="0">
-                <a:latin typeface="等线 Light" panose="02010600030101010101" pitchFamily="2" charset="-122"/>
-                <a:ea typeface="等线 Light" panose="02010600030101010101" pitchFamily="2" charset="-122"/>
-              </a:rPr>
-              <a:t>天帝 风神</a:t>
-            </a:r>
-            <a:endParaRPr lang="en-US" altLang="zh-CN" dirty="0" smtClean="0">
-              <a:latin typeface="等线 Light" panose="02010600030101010101" pitchFamily="2" charset="-122"/>
-              <a:ea typeface="等线 Light" panose="02010600030101010101" pitchFamily="2" charset="-122"/>
-            </a:endParaRPr>
-          </a:p>
-          <a:p>
-            <a:r>
-              <a:rPr lang="en-US" altLang="zh-CN" dirty="0" smtClean="0">
-                <a:latin typeface="等线 Light" panose="02010600030101010101" pitchFamily="2" charset="-122"/>
-                <a:ea typeface="等线 Light" panose="02010600030101010101" pitchFamily="2" charset="-122"/>
-              </a:rPr>
-              <a:t>		</a:t>
-            </a:r>
-            <a:r>
-              <a:rPr lang="zh-CN" altLang="en-US" dirty="0" smtClean="0">
-                <a:latin typeface="等线 Light" panose="02010600030101010101" pitchFamily="2" charset="-122"/>
-                <a:ea typeface="等线 Light" panose="02010600030101010101" pitchFamily="2" charset="-122"/>
-              </a:rPr>
-              <a:t>乌鸦 厂公 床叔 泥巴蛋</a:t>
-            </a:r>
-            <a:endParaRPr lang="en-US" altLang="zh-CN" dirty="0" smtClean="0">
-              <a:latin typeface="等线 Light" panose="02010600030101010101" pitchFamily="2" charset="-122"/>
-              <a:ea typeface="等线 Light" panose="02010600030101010101" pitchFamily="2" charset="-122"/>
-            </a:endParaRPr>
-          </a:p>
-          <a:p>
-            <a:r>
-              <a:rPr lang="zh-CN" altLang="en-US" dirty="0" smtClean="0">
-                <a:latin typeface="等线 Light" panose="02010600030101010101" pitchFamily="2" charset="-122"/>
-                <a:ea typeface="等线 Light" panose="02010600030101010101" pitchFamily="2" charset="-122"/>
-              </a:rPr>
-              <a:t>统筹</a:t>
-            </a:r>
-            <a:r>
-              <a:rPr lang="en-US" altLang="zh-CN" dirty="0" smtClean="0">
-                <a:latin typeface="等线 Light" panose="02010600030101010101" pitchFamily="2" charset="-122"/>
-                <a:ea typeface="等线 Light" panose="02010600030101010101" pitchFamily="2" charset="-122"/>
-              </a:rPr>
-              <a:t>	</a:t>
-            </a:r>
-            <a:r>
-              <a:rPr lang="zh-CN" altLang="en-US" dirty="0" smtClean="0">
-                <a:latin typeface="等线 Light" panose="02010600030101010101" pitchFamily="2" charset="-122"/>
-                <a:ea typeface="等线 Light" panose="02010600030101010101" pitchFamily="2" charset="-122"/>
-              </a:rPr>
-              <a:t>鸟帝 </a:t>
-            </a:r>
-            <a:endParaRPr lang="zh-CN" altLang="en-US" dirty="0">
-              <a:latin typeface="等线 Light" panose="02010600030101010101" pitchFamily="2" charset="-122"/>
-              <a:ea typeface="等线 Light" panose="02010600030101010101" pitchFamily="2" charset="-122"/>
-            </a:endParaRPr>
-          </a:p>
-        </p:txBody>
-      </p:sp>
+              <a:t>荣誉出品</a:t>
+            </a:r>
+          </a:p>
+        </p:txBody>
+      </p:sp>
+      <p:graphicFrame>
+        <p:nvGraphicFramePr>
+          <p:cNvPr id="9" name="表格 8">
+            <a:extLst>
+              <a:ext uri="{FF2B5EF4-FFF2-40B4-BE49-F238E27FC236}">
+                <a16:creationId xmlns:a16="http://schemas.microsoft.com/office/drawing/2014/main" id="{8527C4C3-46DF-4990-9D63-6F87CBB09DF0}"/>
+              </a:ext>
+            </a:extLst>
+          </p:cNvPr>
+          <p:cNvGraphicFramePr>
+            <a:graphicFrameLocks noGrp="1"/>
+          </p:cNvGraphicFramePr>
+          <p:nvPr>
+            <p:extLst>
+              <p:ext uri="{D42A27DB-BD31-4B8C-83A1-F6EECF244321}">
+                <p14:modId xmlns:p14="http://schemas.microsoft.com/office/powerpoint/2010/main" val="2163093459"/>
+              </p:ext>
+            </p:extLst>
+          </p:nvPr>
+        </p:nvGraphicFramePr>
+        <p:xfrm>
+          <a:off x="1755648" y="6978222"/>
+          <a:ext cx="4583632" cy="1752600"/>
+        </p:xfrm>
+        <a:graphic>
+          <a:graphicData uri="http://schemas.openxmlformats.org/drawingml/2006/table">
+            <a:tbl>
+              <a:tblPr firstRow="1" bandRow="1">
+                <a:tableStyleId>{5C22544A-7EE6-4342-B048-85BDC9FD1C3A}</a:tableStyleId>
+              </a:tblPr>
+              <a:tblGrid>
+                <a:gridCol w="935375">
+                  <a:extLst>
+                    <a:ext uri="{9D8B030D-6E8A-4147-A177-3AD203B41FA5}">
+                      <a16:colId xmlns:a16="http://schemas.microsoft.com/office/drawing/2014/main" val="3265218306"/>
+                    </a:ext>
+                  </a:extLst>
+                </a:gridCol>
+                <a:gridCol w="3648257">
+                  <a:extLst>
+                    <a:ext uri="{9D8B030D-6E8A-4147-A177-3AD203B41FA5}">
+                      <a16:colId xmlns:a16="http://schemas.microsoft.com/office/drawing/2014/main" val="4014108828"/>
+                    </a:ext>
+                  </a:extLst>
+                </a:gridCol>
+              </a:tblGrid>
+              <a:tr h="370840">
+                <a:tc>
+                  <a:txBody>
+                    <a:bodyPr/>
+                    <a:lstStyle/>
+                    <a:p>
+                      <a:r>
+                        <a:rPr lang="zh-CN" altLang="en-US" sz="1800" b="1" dirty="0">
+                          <a:solidFill>
+                            <a:schemeClr val="tx1"/>
+                          </a:solidFill>
+                          <a:latin typeface="等线 Light" panose="02010600030101010101" pitchFamily="2" charset="-122"/>
+                          <a:ea typeface="等线 Light" panose="02010600030101010101" pitchFamily="2" charset="-122"/>
+                        </a:rPr>
+                        <a:t>编委</a:t>
+                      </a:r>
+                      <a:endParaRPr lang="zh-CN" altLang="en-US" sz="1800" b="1" dirty="0">
+                        <a:solidFill>
+                          <a:schemeClr val="tx1"/>
+                        </a:solidFill>
+                      </a:endParaRPr>
+                    </a:p>
+                  </a:txBody>
+                  <a:tcPr>
+                    <a:lnL w="12700" cmpd="sng">
+                      <a:noFill/>
+                    </a:lnL>
+                    <a:lnR w="12700" cmpd="sng">
+                      <a:noFill/>
+                    </a:lnR>
+                    <a:lnT w="12700" cmpd="sng">
+                      <a:noFill/>
+                    </a:lnT>
+                    <a:lnB w="38100" cmpd="sng">
+                      <a:noFill/>
+                    </a:lnB>
+                    <a:lnTlToBr w="12700" cmpd="sng">
+                      <a:noFill/>
+                      <a:prstDash val="solid"/>
+                    </a:lnTlToBr>
+                    <a:lnBlToTr w="12700" cmpd="sng">
+                      <a:noFill/>
+                      <a:prstDash val="solid"/>
+                    </a:lnBlToTr>
+                    <a:noFill/>
+                  </a:tcPr>
+                </a:tc>
+                <a:tc>
+                  <a:txBody>
+                    <a:bodyPr/>
+                    <a:lstStyle/>
+                    <a:p>
+                      <a:r>
+                        <a:rPr lang="en-US" altLang="zh-CN" sz="1800" b="0" dirty="0">
+                          <a:solidFill>
+                            <a:schemeClr val="tx1"/>
+                          </a:solidFill>
+                          <a:latin typeface="等线 Light" panose="02010600030101010101" pitchFamily="2" charset="-122"/>
+                          <a:ea typeface="等线 Light" panose="02010600030101010101" pitchFamily="2" charset="-122"/>
+                        </a:rPr>
+                        <a:t>BTTT KG KA </a:t>
+                      </a:r>
+                      <a:r>
+                        <a:rPr lang="zh-CN" altLang="en-US" sz="1800" b="0" dirty="0">
+                          <a:solidFill>
+                            <a:schemeClr val="tx1"/>
+                          </a:solidFill>
+                          <a:latin typeface="等线 Light" panose="02010600030101010101" pitchFamily="2" charset="-122"/>
+                          <a:ea typeface="等线 Light" panose="02010600030101010101" pitchFamily="2" charset="-122"/>
+                        </a:rPr>
+                        <a:t>天帝 风神 王子 朱棣</a:t>
+                      </a:r>
+                      <a:endParaRPr lang="zh-CN" altLang="en-US" sz="1800" b="0" dirty="0">
+                        <a:solidFill>
+                          <a:schemeClr val="tx1"/>
+                        </a:solidFill>
+                      </a:endParaRPr>
+                    </a:p>
+                  </a:txBody>
+                  <a:tcPr>
+                    <a:lnL w="12700" cmpd="sng">
+                      <a:noFill/>
+                    </a:lnL>
+                    <a:lnR w="12700" cmpd="sng">
+                      <a:noFill/>
+                    </a:lnR>
+                    <a:lnT w="12700" cmpd="sng">
+                      <a:noFill/>
+                    </a:lnT>
+                    <a:lnB w="38100" cmpd="sng">
+                      <a:noFill/>
+                    </a:lnB>
+                    <a:lnTlToBr w="12700" cmpd="sng">
+                      <a:noFill/>
+                      <a:prstDash val="solid"/>
+                    </a:lnTlToBr>
+                    <a:lnBlToTr w="12700" cmpd="sng">
+                      <a:noFill/>
+                      <a:prstDash val="solid"/>
+                    </a:lnBlToTr>
+                    <a:noFill/>
+                  </a:tcPr>
+                </a:tc>
+                <a:extLst>
+                  <a:ext uri="{0D108BD9-81ED-4DB2-BD59-A6C34878D82A}">
+                    <a16:rowId xmlns:a16="http://schemas.microsoft.com/office/drawing/2014/main" val="3182419273"/>
+                  </a:ext>
+                </a:extLst>
+              </a:tr>
+              <a:tr h="370840">
+                <a:tc>
+                  <a:txBody>
+                    <a:bodyPr/>
+                    <a:lstStyle/>
+                    <a:p>
+                      <a:endParaRPr lang="zh-CN" altLang="en-US" sz="1800" b="0" dirty="0">
+                        <a:solidFill>
+                          <a:schemeClr val="tx1"/>
+                        </a:solidFill>
+                      </a:endParaRPr>
+                    </a:p>
+                  </a:txBody>
+                  <a:tcPr>
+                    <a:lnL w="12700" cmpd="sng">
+                      <a:noFill/>
+                    </a:lnL>
+                    <a:lnR w="12700" cmpd="sng">
+                      <a:noFill/>
+                    </a:lnR>
+                    <a:lnT w="38100" cmpd="sng">
+                      <a:noFill/>
+                    </a:lnT>
+                    <a:lnB w="12700" cmpd="sng">
+                      <a:noFill/>
+                    </a:lnB>
+                    <a:lnTlToBr w="12700" cmpd="sng">
+                      <a:noFill/>
+                      <a:prstDash val="solid"/>
+                    </a:lnTlToBr>
+                    <a:lnBlToTr w="12700" cmpd="sng">
+                      <a:noFill/>
+                      <a:prstDash val="solid"/>
+                    </a:lnBlToTr>
+                    <a:noFill/>
+                  </a:tcPr>
+                </a:tc>
+                <a:tc>
+                  <a:txBody>
+                    <a:bodyPr/>
+                    <a:lstStyle/>
+                    <a:p>
+                      <a:pPr marL="0" marR="0" lvl="0" indent="0" algn="l" defTabSz="342900" rtl="0" eaLnBrk="1" fontAlgn="auto" latinLnBrk="0" hangingPunct="1">
+                        <a:lnSpc>
+                          <a:spcPct val="100000"/>
+                        </a:lnSpc>
+                        <a:spcBef>
+                          <a:spcPts val="0"/>
+                        </a:spcBef>
+                        <a:spcAft>
+                          <a:spcPts val="0"/>
+                        </a:spcAft>
+                        <a:buClrTx/>
+                        <a:buSzTx/>
+                        <a:buFontTx/>
+                        <a:buNone/>
+                        <a:tabLst/>
+                        <a:defRPr/>
+                      </a:pPr>
+                      <a:r>
+                        <a:rPr lang="zh-CN" altLang="en-US" sz="1800" b="0" dirty="0">
+                          <a:solidFill>
+                            <a:schemeClr val="tx1"/>
+                          </a:solidFill>
+                          <a:latin typeface="等线 Light" panose="02010600030101010101" pitchFamily="2" charset="-122"/>
+                          <a:ea typeface="等线 Light" panose="02010600030101010101" pitchFamily="2" charset="-122"/>
+                        </a:rPr>
+                        <a:t>乌鸦 厂公 床叔 泥巴蛋</a:t>
+                      </a:r>
+                      <a:endParaRPr lang="en-US" altLang="zh-CN" sz="1800" b="0" dirty="0">
+                        <a:solidFill>
+                          <a:schemeClr val="tx1"/>
+                        </a:solidFill>
+                        <a:latin typeface="等线 Light" panose="02010600030101010101" pitchFamily="2" charset="-122"/>
+                        <a:ea typeface="等线 Light" panose="02010600030101010101" pitchFamily="2" charset="-122"/>
+                      </a:endParaRPr>
+                    </a:p>
+                    <a:p>
+                      <a:endParaRPr lang="zh-CN" altLang="en-US" sz="1800" b="0" dirty="0">
+                        <a:solidFill>
+                          <a:schemeClr val="tx1"/>
+                        </a:solidFill>
+                      </a:endParaRPr>
+                    </a:p>
+                  </a:txBody>
+                  <a:tcPr>
+                    <a:lnL w="12700" cmpd="sng">
+                      <a:noFill/>
+                    </a:lnL>
+                    <a:lnR w="12700" cmpd="sng">
+                      <a:noFill/>
+                    </a:lnR>
+                    <a:lnT w="38100" cmpd="sng">
+                      <a:noFill/>
+                    </a:lnT>
+                    <a:lnB w="12700" cmpd="sng">
+                      <a:noFill/>
+                    </a:lnB>
+                    <a:lnTlToBr w="12700" cmpd="sng">
+                      <a:noFill/>
+                      <a:prstDash val="solid"/>
+                    </a:lnTlToBr>
+                    <a:lnBlToTr w="12700" cmpd="sng">
+                      <a:noFill/>
+                      <a:prstDash val="solid"/>
+                    </a:lnBlToTr>
+                    <a:noFill/>
+                  </a:tcPr>
+                </a:tc>
+                <a:extLst>
+                  <a:ext uri="{0D108BD9-81ED-4DB2-BD59-A6C34878D82A}">
+                    <a16:rowId xmlns:a16="http://schemas.microsoft.com/office/drawing/2014/main" val="2001832073"/>
+                  </a:ext>
+                </a:extLst>
+              </a:tr>
+              <a:tr h="370840">
+                <a:tc>
+                  <a:txBody>
+                    <a:bodyPr/>
+                    <a:lstStyle/>
+                    <a:p>
+                      <a:r>
+                        <a:rPr lang="zh-CN" altLang="en-US" sz="1800" b="1" dirty="0">
+                          <a:solidFill>
+                            <a:schemeClr val="tx1"/>
+                          </a:solidFill>
+                          <a:latin typeface="等线 Light" panose="02010600030101010101" pitchFamily="2" charset="-122"/>
+                          <a:ea typeface="等线 Light" panose="02010600030101010101" pitchFamily="2" charset="-122"/>
+                        </a:rPr>
+                        <a:t>统筹</a:t>
+                      </a:r>
+                      <a:endParaRPr lang="zh-CN" altLang="en-US" sz="1800" b="1" dirty="0">
+                        <a:solidFill>
+                          <a:schemeClr val="tx1"/>
+                        </a:solidFill>
+                      </a:endParaRPr>
+                    </a:p>
+                  </a:txBody>
+                  <a:tcPr>
+                    <a:lnL w="12700" cmpd="sng">
+                      <a:noFill/>
+                    </a:lnL>
+                    <a:lnR w="12700" cmpd="sng">
+                      <a:noFill/>
+                    </a:lnR>
+                    <a:lnT w="12700" cmpd="sng">
+                      <a:noFill/>
+                    </a:lnT>
+                    <a:lnB w="12700" cmpd="sng">
+                      <a:noFill/>
+                    </a:lnB>
+                    <a:lnTlToBr w="12700" cmpd="sng">
+                      <a:noFill/>
+                      <a:prstDash val="solid"/>
+                    </a:lnTlToBr>
+                    <a:lnBlToTr w="12700" cmpd="sng">
+                      <a:noFill/>
+                      <a:prstDash val="solid"/>
+                    </a:lnBlToTr>
+                    <a:noFill/>
+                  </a:tcPr>
+                </a:tc>
+                <a:tc>
+                  <a:txBody>
+                    <a:bodyPr/>
+                    <a:lstStyle/>
+                    <a:p>
+                      <a:r>
+                        <a:rPr lang="zh-CN" altLang="en-US" sz="1800" b="0" dirty="0">
+                          <a:solidFill>
+                            <a:schemeClr val="tx1"/>
+                          </a:solidFill>
+                          <a:latin typeface="等线 Light" panose="02010600030101010101" pitchFamily="2" charset="-122"/>
+                          <a:ea typeface="等线 Light" panose="02010600030101010101" pitchFamily="2" charset="-122"/>
+                        </a:rPr>
+                        <a:t>鸟帝 </a:t>
+                      </a:r>
+                      <a:endParaRPr lang="zh-CN" altLang="en-US" sz="1800" b="0" dirty="0">
+                        <a:solidFill>
+                          <a:schemeClr val="tx1"/>
+                        </a:solidFill>
+                      </a:endParaRPr>
+                    </a:p>
+                  </a:txBody>
+                  <a:tcPr>
+                    <a:lnL w="12700" cmpd="sng">
+                      <a:noFill/>
+                    </a:lnL>
+                    <a:lnR w="12700" cmpd="sng">
+                      <a:noFill/>
+                    </a:lnR>
+                    <a:lnT w="12700" cmpd="sng">
+                      <a:noFill/>
+                    </a:lnT>
+                    <a:lnB w="12700" cmpd="sng">
+                      <a:noFill/>
+                    </a:lnB>
+                    <a:lnTlToBr w="12700" cmpd="sng">
+                      <a:noFill/>
+                      <a:prstDash val="solid"/>
+                    </a:lnTlToBr>
+                    <a:lnBlToTr w="12700" cmpd="sng">
+                      <a:noFill/>
+                      <a:prstDash val="solid"/>
+                    </a:lnBlToTr>
+                    <a:noFill/>
+                  </a:tcPr>
+                </a:tc>
+                <a:extLst>
+                  <a:ext uri="{0D108BD9-81ED-4DB2-BD59-A6C34878D82A}">
+                    <a16:rowId xmlns:a16="http://schemas.microsoft.com/office/drawing/2014/main" val="43739601"/>
+                  </a:ext>
+                </a:extLst>
+              </a:tr>
+              <a:tr h="370840">
+                <a:tc>
+                  <a:txBody>
+                    <a:bodyPr/>
+                    <a:lstStyle/>
+                    <a:p>
+                      <a:r>
+                        <a:rPr lang="zh-CN" altLang="en-US" sz="1800" b="1" dirty="0">
+                          <a:solidFill>
+                            <a:schemeClr val="tx1"/>
+                          </a:solidFill>
+                        </a:rPr>
+                        <a:t>赞助</a:t>
+                      </a:r>
+                    </a:p>
+                  </a:txBody>
+                  <a:tcPr>
+                    <a:lnL w="12700" cmpd="sng">
+                      <a:noFill/>
+                    </a:lnL>
+                    <a:lnR w="12700" cmpd="sng">
+                      <a:noFill/>
+                    </a:lnR>
+                    <a:lnT w="12700" cmpd="sng">
+                      <a:noFill/>
+                    </a:lnT>
+                    <a:lnB w="12700" cmpd="sng">
+                      <a:noFill/>
+                    </a:lnB>
+                    <a:lnTlToBr w="12700" cmpd="sng">
+                      <a:noFill/>
+                      <a:prstDash val="solid"/>
+                    </a:lnTlToBr>
+                    <a:lnBlToTr w="12700" cmpd="sng">
+                      <a:noFill/>
+                      <a:prstDash val="solid"/>
+                    </a:lnBlToTr>
+                    <a:noFill/>
+                  </a:tcPr>
+                </a:tc>
+                <a:tc>
+                  <a:txBody>
+                    <a:bodyPr/>
+                    <a:lstStyle/>
+                    <a:p>
+                      <a:r>
+                        <a:rPr lang="zh-CN" altLang="en-US" sz="1800" b="0" dirty="0">
+                          <a:solidFill>
+                            <a:schemeClr val="tx1"/>
+                          </a:solidFill>
+                        </a:rPr>
+                        <a:t>豆姐</a:t>
+                      </a:r>
+                    </a:p>
+                  </a:txBody>
+                  <a:tcPr>
+                    <a:lnL w="12700" cmpd="sng">
+                      <a:noFill/>
+                    </a:lnL>
+                    <a:lnR w="12700" cmpd="sng">
+                      <a:noFill/>
+                    </a:lnR>
+                    <a:lnT w="12700" cmpd="sng">
+                      <a:noFill/>
+                    </a:lnT>
+                    <a:lnB w="12700" cmpd="sng">
+                      <a:noFill/>
+                    </a:lnB>
+                    <a:lnTlToBr w="12700" cmpd="sng">
+                      <a:noFill/>
+                      <a:prstDash val="solid"/>
+                    </a:lnTlToBr>
+                    <a:lnBlToTr w="12700" cmpd="sng">
+                      <a:noFill/>
+                      <a:prstDash val="solid"/>
+                    </a:lnBlToTr>
+                    <a:noFill/>
+                  </a:tcPr>
+                </a:tc>
+                <a:extLst>
+                  <a:ext uri="{0D108BD9-81ED-4DB2-BD59-A6C34878D82A}">
+                    <a16:rowId xmlns:a16="http://schemas.microsoft.com/office/drawing/2014/main" val="1284265275"/>
+                  </a:ext>
+                </a:extLst>
+              </a:tr>
+            </a:tbl>
+          </a:graphicData>
+        </a:graphic>
+      </p:graphicFrame>
     </p:spTree>
     <p:extLst>
       <p:ext uri="{BB962C8B-B14F-4D97-AF65-F5344CB8AC3E}">
@@ -6408,13 +6714,6 @@
   <p:clrMapOvr>
     <a:masterClrMapping/>
   </p:clrMapOvr>
-  <p:timing>
-    <p:tnLst>
-      <p:par>
-        <p:cTn id="1" dur="indefinite" restart="never" nodeType="tmRoot"/>
-      </p:par>
-    </p:tnLst>
-  </p:timing>
 </p:sld>
 </file>
 
